--- a/Bicep_Presentation.pptx
+++ b/Bicep_Presentation.pptx
@@ -980,6 +980,90 @@
     <p:extLst>
       <p:ext uri="{BB962C8B-B14F-4D97-AF65-F5344CB8AC3E}">
         <p14:creationId xmlns:p14="http://schemas.microsoft.com/office/powerpoint/2010/main" val="1968902659"/>
+      </p:ext>
+    </p:extLst>
+  </p:cSld>
+  <p:clrMapOvr>
+    <a:masterClrMapping/>
+  </p:clrMapOvr>
+</p:notes>
+</file>
+
+<file path=ppt/notesSlides/notesSlide3.xml><?xml version="1.0" encoding="utf-8"?>
+<p:notes xmlns:a="http://schemas.openxmlformats.org/drawingml/2006/main" xmlns:r="http://schemas.openxmlformats.org/officeDocument/2006/relationships" xmlns:p="http://schemas.openxmlformats.org/presentationml/2006/main">
+  <p:cSld>
+    <p:spTree>
+      <p:nvGrpSpPr>
+        <p:cNvPr id="1" name=""/>
+        <p:cNvGrpSpPr/>
+        <p:nvPr/>
+      </p:nvGrpSpPr>
+      <p:grpSpPr>
+        <a:xfrm>
+          <a:off x="0" y="0"/>
+          <a:ext cx="0" cy="0"/>
+          <a:chOff x="0" y="0"/>
+          <a:chExt cx="0" cy="0"/>
+        </a:xfrm>
+      </p:grpSpPr>
+      <p:sp>
+        <p:nvSpPr>
+          <p:cNvPr id="2" name="Slide Image Placeholder 1"/>
+          <p:cNvSpPr>
+            <a:spLocks noGrp="1" noRot="1" noChangeAspect="1"/>
+          </p:cNvSpPr>
+          <p:nvPr>
+            <p:ph type="sldImg"/>
+          </p:nvPr>
+        </p:nvSpPr>
+        <p:spPr/>
+      </p:sp>
+      <p:sp>
+        <p:nvSpPr>
+          <p:cNvPr id="3" name="Notes Placeholder 2"/>
+          <p:cNvSpPr>
+            <a:spLocks noGrp="1"/>
+          </p:cNvSpPr>
+          <p:nvPr>
+            <p:ph type="body" idx="1"/>
+          </p:nvPr>
+        </p:nvSpPr>
+        <p:spPr/>
+        <p:txBody>
+          <a:bodyPr/>
+          <a:lstStyle/>
+          <a:p>
+            <a:endParaRPr lang="en-US" dirty="0"/>
+          </a:p>
+        </p:txBody>
+      </p:sp>
+      <p:sp>
+        <p:nvSpPr>
+          <p:cNvPr id="4" name="Slide Number Placeholder 3"/>
+          <p:cNvSpPr>
+            <a:spLocks noGrp="1"/>
+          </p:cNvSpPr>
+          <p:nvPr>
+            <p:ph type="sldNum" sz="quarter" idx="5"/>
+          </p:nvPr>
+        </p:nvSpPr>
+        <p:spPr/>
+        <p:txBody>
+          <a:bodyPr/>
+          <a:lstStyle/>
+          <a:p>
+            <a:fld id="{4213F0EE-6F0C-4445-B28E-75EF10A62EC5}" type="slidenum">
+              <a:rPr lang="en-US" smtClean="0"/>
+              <a:t>13</a:t>
+            </a:fld>
+            <a:endParaRPr lang="en-US"/>
+          </a:p>
+        </p:txBody>
+      </p:sp>
+    </p:spTree>
+    <p:extLst>
+      <p:ext uri="{BB962C8B-B14F-4D97-AF65-F5344CB8AC3E}">
+        <p14:creationId xmlns:p14="http://schemas.microsoft.com/office/powerpoint/2010/main" val="3359876604"/>
       </p:ext>
     </p:extLst>
   </p:cSld>
@@ -4560,31 +4644,41 @@
           </a:p>
         </p:txBody>
       </p:sp>
-      <p:sp>
-        <p:nvSpPr>
-          <p:cNvPr id="3" name="Content Placeholder 2">
-            <a:extLst>
-              <a:ext uri="{FF2B5EF4-FFF2-40B4-BE49-F238E27FC236}">
-                <a16:creationId xmlns:a16="http://schemas.microsoft.com/office/drawing/2014/main" id="{BD3F8081-8659-DF72-F0BC-35E73B1F06AD}"/>
-              </a:ext>
-            </a:extLst>
-          </p:cNvPr>
-          <p:cNvSpPr>
-            <a:spLocks noGrp="1"/>
-          </p:cNvSpPr>
+      <p:pic>
+        <p:nvPicPr>
+          <p:cNvPr id="13" name="Content Placeholder 12">
+            <a:extLst>
+              <a:ext uri="{FF2B5EF4-FFF2-40B4-BE49-F238E27FC236}">
+                <a16:creationId xmlns:a16="http://schemas.microsoft.com/office/drawing/2014/main" id="{E1594ED1-13A5-C702-52EC-ED2C82D29F8C}"/>
+              </a:ext>
+            </a:extLst>
+          </p:cNvPr>
+          <p:cNvPicPr>
+            <a:picLocks noGrp="1" noChangeAspect="1"/>
+          </p:cNvPicPr>
           <p:nvPr>
             <p:ph idx="1"/>
           </p:nvPr>
-        </p:nvSpPr>
-        <p:spPr/>
-        <p:txBody>
-          <a:bodyPr/>
-          <a:lstStyle/>
-          <a:p>
-            <a:endParaRPr lang="en-US" dirty="0"/>
-          </a:p>
-        </p:txBody>
-      </p:sp>
+        </p:nvPicPr>
+        <p:blipFill>
+          <a:blip r:embed="rId2">
+            <a:extLst>
+              <a:ext uri="{96DAC541-7B7A-43D3-8B79-37D633B846F1}">
+                <asvg:svgBlip xmlns:asvg="http://schemas.microsoft.com/office/drawing/2016/SVG/main" r:embed="rId3"/>
+              </a:ext>
+            </a:extLst>
+          </a:blip>
+          <a:stretch>
+            <a:fillRect/>
+          </a:stretch>
+        </p:blipFill>
+        <p:spPr>
+          <a:xfrm>
+            <a:off x="10083222" y="241949"/>
+            <a:ext cx="1571913" cy="1571913"/>
+          </a:xfrm>
+        </p:spPr>
+      </p:pic>
       <p:pic>
         <p:nvPicPr>
           <p:cNvPr id="4" name="Picture 3">
@@ -4600,7 +4694,7 @@
           <p:nvPr/>
         </p:nvPicPr>
         <p:blipFill>
-          <a:blip r:embed="rId2"/>
+          <a:blip r:embed="rId4"/>
           <a:stretch>
             <a:fillRect/>
           </a:stretch>
@@ -5389,6 +5483,42 @@
           </a:p>
         </p:txBody>
       </p:sp>
+      <p:pic>
+        <p:nvPicPr>
+          <p:cNvPr id="8" name="Content Placeholder 12">
+            <a:extLst>
+              <a:ext uri="{FF2B5EF4-FFF2-40B4-BE49-F238E27FC236}">
+                <a16:creationId xmlns:a16="http://schemas.microsoft.com/office/drawing/2014/main" id="{65A54BCA-4301-675A-8FA9-4C3B4DF145FC}"/>
+              </a:ext>
+            </a:extLst>
+          </p:cNvPr>
+          <p:cNvPicPr>
+            <a:picLocks noChangeAspect="1"/>
+          </p:cNvPicPr>
+          <p:nvPr/>
+        </p:nvPicPr>
+        <p:blipFill>
+          <a:blip r:embed="rId3">
+            <a:extLst>
+              <a:ext uri="{96DAC541-7B7A-43D3-8B79-37D633B846F1}">
+                <asvg:svgBlip xmlns:asvg="http://schemas.microsoft.com/office/drawing/2016/SVG/main" r:embed="rId4"/>
+              </a:ext>
+            </a:extLst>
+          </a:blip>
+          <a:stretch>
+            <a:fillRect/>
+          </a:stretch>
+        </p:blipFill>
+        <p:spPr>
+          <a:xfrm>
+            <a:off x="10083222" y="241949"/>
+            <a:ext cx="1571913" cy="1571913"/>
+          </a:xfrm>
+          <a:prstGeom prst="rect">
+            <a:avLst/>
+          </a:prstGeom>
+        </p:spPr>
+      </p:pic>
     </p:spTree>
     <p:extLst>
       <p:ext uri="{BB962C8B-B14F-4D97-AF65-F5344CB8AC3E}">
@@ -6290,7 +6420,7 @@
           <p:nvPr/>
         </p:nvPicPr>
         <p:blipFill>
-          <a:blip r:embed="rId2"/>
+          <a:blip r:embed="rId3"/>
           <a:stretch>
             <a:fillRect/>
           </a:stretch>
@@ -7767,12 +7897,6 @@
           <a:p>
             <a:r>
               <a:rPr lang="de-DE" dirty="0"/>
-              <a:t>Module nach Ressourcen-Namespace organisieren</a:t>
-            </a:r>
-          </a:p>
-          <a:p>
-            <a:r>
-              <a:rPr lang="de-DE" dirty="0"/>
               <a:t>Namensbildung: Nutzt Variablen</a:t>
             </a:r>
           </a:p>
@@ -7784,6 +7908,31 @@
             <a:r>
               <a:rPr lang="de-DE" dirty="0" err="1"/>
               <a:t>Vault</a:t>
+            </a:r>
+            <a:endParaRPr lang="de-DE" dirty="0"/>
+          </a:p>
+          <a:p>
+            <a:r>
+              <a:rPr lang="de-DE" dirty="0"/>
+              <a:t>Module nach Ressourcen-Namespace organisieren</a:t>
+            </a:r>
+          </a:p>
+          <a:p>
+            <a:r>
+              <a:rPr lang="de-DE" dirty="0"/>
+              <a:t>Keine </a:t>
+            </a:r>
+            <a:r>
+              <a:rPr lang="de-DE" dirty="0" err="1"/>
+              <a:t>Premature</a:t>
+            </a:r>
+            <a:r>
+              <a:rPr lang="de-DE" dirty="0"/>
+              <a:t> </a:t>
+            </a:r>
+            <a:r>
+              <a:rPr lang="de-DE" dirty="0" err="1"/>
+              <a:t>Optimization</a:t>
             </a:r>
             <a:endParaRPr lang="de-DE" dirty="0"/>
           </a:p>

--- a/Bicep_Presentation.pptx
+++ b/Bicep_Presentation.pptx
@@ -127,6 +127,11 @@
       </a:defRPr>
     </a:lvl9pPr>
   </p:defaultTextStyle>
+  <p:extLst>
+    <p:ext uri="{EFAFB233-063F-42B5-8137-9DF3F51BA10A}">
+      <p15:sldGuideLst xmlns:p15="http://schemas.microsoft.com/office/powerpoint/2012/main"/>
+    </p:ext>
+  </p:extLst>
 </p:presentation>
 </file>
 
@@ -212,7 +217,7 @@
           <a:p>
             <a:fld id="{4496E226-A944-FC43-93E8-BCDCDFBCC3B8}" type="datetimeFigureOut">
               <a:rPr lang="en-US" smtClean="0"/>
-              <a:t>7/26/23</a:t>
+              <a:t>7/27/23</a:t>
             </a:fld>
             <a:endParaRPr lang="en-US"/>
           </a:p>
@@ -1054,6 +1059,174 @@
           <a:p>
             <a:fld id="{4213F0EE-6F0C-4445-B28E-75EF10A62EC5}" type="slidenum">
               <a:rPr lang="en-US" smtClean="0"/>
+              <a:t>4</a:t>
+            </a:fld>
+            <a:endParaRPr lang="en-US"/>
+          </a:p>
+        </p:txBody>
+      </p:sp>
+    </p:spTree>
+    <p:extLst>
+      <p:ext uri="{BB962C8B-B14F-4D97-AF65-F5344CB8AC3E}">
+        <p14:creationId xmlns:p14="http://schemas.microsoft.com/office/powerpoint/2010/main" val="3186636206"/>
+      </p:ext>
+    </p:extLst>
+  </p:cSld>
+  <p:clrMapOvr>
+    <a:masterClrMapping/>
+  </p:clrMapOvr>
+</p:notes>
+</file>
+
+<file path=ppt/notesSlides/notesSlide4.xml><?xml version="1.0" encoding="utf-8"?>
+<p:notes xmlns:a="http://schemas.openxmlformats.org/drawingml/2006/main" xmlns:r="http://schemas.openxmlformats.org/officeDocument/2006/relationships" xmlns:p="http://schemas.openxmlformats.org/presentationml/2006/main">
+  <p:cSld>
+    <p:spTree>
+      <p:nvGrpSpPr>
+        <p:cNvPr id="1" name=""/>
+        <p:cNvGrpSpPr/>
+        <p:nvPr/>
+      </p:nvGrpSpPr>
+      <p:grpSpPr>
+        <a:xfrm>
+          <a:off x="0" y="0"/>
+          <a:ext cx="0" cy="0"/>
+          <a:chOff x="0" y="0"/>
+          <a:chExt cx="0" cy="0"/>
+        </a:xfrm>
+      </p:grpSpPr>
+      <p:sp>
+        <p:nvSpPr>
+          <p:cNvPr id="2" name="Slide Image Placeholder 1"/>
+          <p:cNvSpPr>
+            <a:spLocks noGrp="1" noRot="1" noChangeAspect="1"/>
+          </p:cNvSpPr>
+          <p:nvPr>
+            <p:ph type="sldImg"/>
+          </p:nvPr>
+        </p:nvSpPr>
+        <p:spPr/>
+      </p:sp>
+      <p:sp>
+        <p:nvSpPr>
+          <p:cNvPr id="3" name="Notes Placeholder 2"/>
+          <p:cNvSpPr>
+            <a:spLocks noGrp="1"/>
+          </p:cNvSpPr>
+          <p:nvPr>
+            <p:ph type="body" idx="1"/>
+          </p:nvPr>
+        </p:nvSpPr>
+        <p:spPr/>
+        <p:txBody>
+          <a:bodyPr/>
+          <a:lstStyle/>
+          <a:p>
+            <a:endParaRPr lang="en-US" dirty="0"/>
+          </a:p>
+        </p:txBody>
+      </p:sp>
+      <p:sp>
+        <p:nvSpPr>
+          <p:cNvPr id="4" name="Slide Number Placeholder 3"/>
+          <p:cNvSpPr>
+            <a:spLocks noGrp="1"/>
+          </p:cNvSpPr>
+          <p:nvPr>
+            <p:ph type="sldNum" sz="quarter" idx="5"/>
+          </p:nvPr>
+        </p:nvSpPr>
+        <p:spPr/>
+        <p:txBody>
+          <a:bodyPr/>
+          <a:lstStyle/>
+          <a:p>
+            <a:fld id="{4213F0EE-6F0C-4445-B28E-75EF10A62EC5}" type="slidenum">
+              <a:rPr lang="en-US" smtClean="0"/>
+              <a:t>7</a:t>
+            </a:fld>
+            <a:endParaRPr lang="en-US"/>
+          </a:p>
+        </p:txBody>
+      </p:sp>
+    </p:spTree>
+    <p:extLst>
+      <p:ext uri="{BB962C8B-B14F-4D97-AF65-F5344CB8AC3E}">
+        <p14:creationId xmlns:p14="http://schemas.microsoft.com/office/powerpoint/2010/main" val="1255134257"/>
+      </p:ext>
+    </p:extLst>
+  </p:cSld>
+  <p:clrMapOvr>
+    <a:masterClrMapping/>
+  </p:clrMapOvr>
+</p:notes>
+</file>
+
+<file path=ppt/notesSlides/notesSlide5.xml><?xml version="1.0" encoding="utf-8"?>
+<p:notes xmlns:a="http://schemas.openxmlformats.org/drawingml/2006/main" xmlns:r="http://schemas.openxmlformats.org/officeDocument/2006/relationships" xmlns:p="http://schemas.openxmlformats.org/presentationml/2006/main">
+  <p:cSld>
+    <p:spTree>
+      <p:nvGrpSpPr>
+        <p:cNvPr id="1" name=""/>
+        <p:cNvGrpSpPr/>
+        <p:nvPr/>
+      </p:nvGrpSpPr>
+      <p:grpSpPr>
+        <a:xfrm>
+          <a:off x="0" y="0"/>
+          <a:ext cx="0" cy="0"/>
+          <a:chOff x="0" y="0"/>
+          <a:chExt cx="0" cy="0"/>
+        </a:xfrm>
+      </p:grpSpPr>
+      <p:sp>
+        <p:nvSpPr>
+          <p:cNvPr id="2" name="Slide Image Placeholder 1"/>
+          <p:cNvSpPr>
+            <a:spLocks noGrp="1" noRot="1" noChangeAspect="1"/>
+          </p:cNvSpPr>
+          <p:nvPr>
+            <p:ph type="sldImg"/>
+          </p:nvPr>
+        </p:nvSpPr>
+        <p:spPr/>
+      </p:sp>
+      <p:sp>
+        <p:nvSpPr>
+          <p:cNvPr id="3" name="Notes Placeholder 2"/>
+          <p:cNvSpPr>
+            <a:spLocks noGrp="1"/>
+          </p:cNvSpPr>
+          <p:nvPr>
+            <p:ph type="body" idx="1"/>
+          </p:nvPr>
+        </p:nvSpPr>
+        <p:spPr/>
+        <p:txBody>
+          <a:bodyPr/>
+          <a:lstStyle/>
+          <a:p>
+            <a:endParaRPr lang="en-US" dirty="0"/>
+          </a:p>
+        </p:txBody>
+      </p:sp>
+      <p:sp>
+        <p:nvSpPr>
+          <p:cNvPr id="4" name="Slide Number Placeholder 3"/>
+          <p:cNvSpPr>
+            <a:spLocks noGrp="1"/>
+          </p:cNvSpPr>
+          <p:nvPr>
+            <p:ph type="sldNum" sz="quarter" idx="5"/>
+          </p:nvPr>
+        </p:nvSpPr>
+        <p:spPr/>
+        <p:txBody>
+          <a:bodyPr/>
+          <a:lstStyle/>
+          <a:p>
+            <a:fld id="{4213F0EE-6F0C-4445-B28E-75EF10A62EC5}" type="slidenum">
+              <a:rPr lang="en-US" smtClean="0"/>
               <a:t>13</a:t>
             </a:fld>
             <a:endParaRPr lang="en-US"/>
@@ -1220,7 +1393,7 @@
           <a:p>
             <a:fld id="{48A87A34-81AB-432B-8DAE-1953F412C126}" type="datetimeFigureOut">
               <a:rPr lang="en-US" smtClean="0"/>
-              <a:t>7/26/23</a:t>
+              <a:t>7/27/23</a:t>
             </a:fld>
             <a:endParaRPr lang="en-US" dirty="0"/>
           </a:p>
@@ -1418,7 +1591,7 @@
           <a:p>
             <a:fld id="{48A87A34-81AB-432B-8DAE-1953F412C126}" type="datetimeFigureOut">
               <a:rPr lang="en-US" smtClean="0"/>
-              <a:t>7/26/23</a:t>
+              <a:t>7/27/23</a:t>
             </a:fld>
             <a:endParaRPr lang="en-US" dirty="0"/>
           </a:p>
@@ -1626,7 +1799,7 @@
           <a:p>
             <a:fld id="{48A87A34-81AB-432B-8DAE-1953F412C126}" type="datetimeFigureOut">
               <a:rPr lang="en-US" smtClean="0"/>
-              <a:t>7/26/23</a:t>
+              <a:t>7/27/23</a:t>
             </a:fld>
             <a:endParaRPr lang="en-US" dirty="0"/>
           </a:p>
@@ -1834,7 +2007,7 @@
           <a:p>
             <a:fld id="{48A87A34-81AB-432B-8DAE-1953F412C126}" type="datetimeFigureOut">
               <a:rPr lang="en-US" smtClean="0"/>
-              <a:t>7/26/23</a:t>
+              <a:t>7/27/23</a:t>
             </a:fld>
             <a:endParaRPr lang="en-US" dirty="0"/>
           </a:p>
@@ -2020,7 +2193,7 @@
           <a:p>
             <a:fld id="{48A87A34-81AB-432B-8DAE-1953F412C126}" type="datetimeFigureOut">
               <a:rPr lang="en-US" smtClean="0"/>
-              <a:t>7/26/23</a:t>
+              <a:t>7/27/23</a:t>
             </a:fld>
             <a:endParaRPr lang="en-US" dirty="0"/>
           </a:p>
@@ -2295,7 +2468,7 @@
           <a:p>
             <a:fld id="{48A87A34-81AB-432B-8DAE-1953F412C126}" type="datetimeFigureOut">
               <a:rPr lang="en-US" smtClean="0"/>
-              <a:t>7/26/23</a:t>
+              <a:t>7/27/23</a:t>
             </a:fld>
             <a:endParaRPr lang="en-US" dirty="0"/>
           </a:p>
@@ -2560,7 +2733,7 @@
           <a:p>
             <a:fld id="{48A87A34-81AB-432B-8DAE-1953F412C126}" type="datetimeFigureOut">
               <a:rPr lang="en-US" smtClean="0"/>
-              <a:t>7/26/23</a:t>
+              <a:t>7/27/23</a:t>
             </a:fld>
             <a:endParaRPr lang="en-US" dirty="0"/>
           </a:p>
@@ -2973,7 +3146,7 @@
             <a:fld id="{48A87A34-81AB-432B-8DAE-1953F412C126}" type="datetimeFigureOut">
               <a:rPr lang="en-US" smtClean="0"/>
               <a:pPr/>
-              <a:t>7/26/23</a:t>
+              <a:t>7/27/23</a:t>
             </a:fld>
             <a:endParaRPr lang="en-US" dirty="0"/>
           </a:p>
@@ -3115,7 +3288,7 @@
           <a:p>
             <a:fld id="{48A87A34-81AB-432B-8DAE-1953F412C126}" type="datetimeFigureOut">
               <a:rPr lang="en-US" smtClean="0"/>
-              <a:t>7/26/23</a:t>
+              <a:t>7/27/23</a:t>
             </a:fld>
             <a:endParaRPr lang="en-US" dirty="0"/>
           </a:p>
@@ -3228,7 +3401,7 @@
           <a:p>
             <a:fld id="{48A87A34-81AB-432B-8DAE-1953F412C126}" type="datetimeFigureOut">
               <a:rPr lang="en-US" smtClean="0"/>
-              <a:t>7/26/23</a:t>
+              <a:t>7/27/23</a:t>
             </a:fld>
             <a:endParaRPr lang="en-US" dirty="0"/>
           </a:p>
@@ -3539,7 +3712,7 @@
           <a:p>
             <a:fld id="{48A87A34-81AB-432B-8DAE-1953F412C126}" type="datetimeFigureOut">
               <a:rPr lang="en-US" smtClean="0"/>
-              <a:t>7/26/23</a:t>
+              <a:t>7/27/23</a:t>
             </a:fld>
             <a:endParaRPr lang="en-US" dirty="0"/>
           </a:p>
@@ -3827,7 +4000,7 @@
           <a:p>
             <a:fld id="{48A87A34-81AB-432B-8DAE-1953F412C126}" type="datetimeFigureOut">
               <a:rPr lang="en-US" smtClean="0"/>
-              <a:t>7/26/23</a:t>
+              <a:t>7/27/23</a:t>
             </a:fld>
             <a:endParaRPr lang="en-US" dirty="0"/>
           </a:p>
@@ -4069,7 +4242,7 @@
             <a:fld id="{48A87A34-81AB-432B-8DAE-1953F412C126}" type="datetimeFigureOut">
               <a:rPr lang="en-US" smtClean="0"/>
               <a:pPr/>
-              <a:t>7/26/23</a:t>
+              <a:t>7/27/23</a:t>
             </a:fld>
             <a:endParaRPr lang="en-US" dirty="0"/>
           </a:p>
@@ -4584,13 +4757,13 @@
   <p:clrMapOvr>
     <a:masterClrMapping/>
   </p:clrMapOvr>
-  <mc:AlternateContent xmlns:mc="http://schemas.openxmlformats.org/markup-compatibility/2006">
-    <mc:Choice xmlns:p14="http://schemas.microsoft.com/office/powerpoint/2010/main" Requires="p14">
+  <mc:AlternateContent xmlns:mc="http://schemas.openxmlformats.org/markup-compatibility/2006" xmlns:p14="http://schemas.microsoft.com/office/powerpoint/2010/main">
+    <mc:Choice Requires="p14">
       <p:transition spd="med" p14:dur="700">
         <p:fade/>
       </p:transition>
     </mc:Choice>
-    <mc:Fallback>
+    <mc:Fallback xmlns="">
       <p:transition spd="med">
         <p:fade/>
       </p:transition>
@@ -4875,13 +5048,13 @@
   <p:clrMapOvr>
     <a:masterClrMapping/>
   </p:clrMapOvr>
-  <mc:AlternateContent xmlns:mc="http://schemas.openxmlformats.org/markup-compatibility/2006">
-    <mc:Choice xmlns:p14="http://schemas.microsoft.com/office/powerpoint/2010/main" Requires="p14">
+  <mc:AlternateContent xmlns:mc="http://schemas.openxmlformats.org/markup-compatibility/2006" xmlns:p14="http://schemas.microsoft.com/office/powerpoint/2010/main">
+    <mc:Choice Requires="p14">
       <p:transition spd="med" p14:dur="700">
         <p:fade/>
       </p:transition>
     </mc:Choice>
-    <mc:Fallback>
+    <mc:Fallback xmlns="">
       <p:transition spd="med">
         <p:fade/>
       </p:transition>
@@ -5529,13 +5702,13 @@
   <p:clrMapOvr>
     <a:masterClrMapping/>
   </p:clrMapOvr>
-  <mc:AlternateContent xmlns:mc="http://schemas.openxmlformats.org/markup-compatibility/2006">
-    <mc:Choice xmlns:p14="http://schemas.microsoft.com/office/powerpoint/2010/main" Requires="p14">
+  <mc:AlternateContent xmlns:mc="http://schemas.openxmlformats.org/markup-compatibility/2006" xmlns:p14="http://schemas.microsoft.com/office/powerpoint/2010/main">
+    <mc:Choice Requires="p14">
       <p:transition spd="med" p14:dur="700">
         <p:fade/>
       </p:transition>
     </mc:Choice>
-    <mc:Fallback>
+    <mc:Fallback xmlns="">
       <p:transition spd="med">
         <p:fade/>
       </p:transition>
@@ -6087,13 +6260,13 @@
   <p:clrMapOvr>
     <a:masterClrMapping/>
   </p:clrMapOvr>
-  <mc:AlternateContent xmlns:mc="http://schemas.openxmlformats.org/markup-compatibility/2006">
-    <mc:Choice xmlns:p14="http://schemas.microsoft.com/office/powerpoint/2010/main" Requires="p14">
+  <mc:AlternateContent xmlns:mc="http://schemas.openxmlformats.org/markup-compatibility/2006" xmlns:p14="http://schemas.microsoft.com/office/powerpoint/2010/main">
+    <mc:Choice Requires="p14">
       <p:transition spd="med" p14:dur="700">
         <p:fade/>
       </p:transition>
     </mc:Choice>
-    <mc:Fallback>
+    <mc:Fallback xmlns="">
       <p:transition spd="med">
         <p:fade/>
       </p:transition>
@@ -6445,13 +6618,13 @@
   <p:clrMapOvr>
     <a:masterClrMapping/>
   </p:clrMapOvr>
-  <mc:AlternateContent xmlns:mc="http://schemas.openxmlformats.org/markup-compatibility/2006">
-    <mc:Choice xmlns:p14="http://schemas.microsoft.com/office/powerpoint/2010/main" Requires="p14">
+  <mc:AlternateContent xmlns:mc="http://schemas.openxmlformats.org/markup-compatibility/2006" xmlns:p14="http://schemas.microsoft.com/office/powerpoint/2010/main">
+    <mc:Choice Requires="p14">
       <p:transition spd="med" p14:dur="700">
         <p:fade/>
       </p:transition>
     </mc:Choice>
-    <mc:Fallback>
+    <mc:Fallback xmlns="">
       <p:transition spd="med">
         <p:fade/>
       </p:transition>
@@ -6623,13 +6796,13 @@
   <p:clrMapOvr>
     <a:masterClrMapping/>
   </p:clrMapOvr>
-  <mc:AlternateContent xmlns:mc="http://schemas.openxmlformats.org/markup-compatibility/2006">
-    <mc:Choice xmlns:p14="http://schemas.microsoft.com/office/powerpoint/2010/main" Requires="p14">
+  <mc:AlternateContent xmlns:mc="http://schemas.openxmlformats.org/markup-compatibility/2006" xmlns:p14="http://schemas.microsoft.com/office/powerpoint/2010/main">
+    <mc:Choice Requires="p14">
       <p:transition spd="med" p14:dur="700">
         <p:fade/>
       </p:transition>
     </mc:Choice>
-    <mc:Fallback>
+    <mc:Fallback xmlns="">
       <p:transition spd="med">
         <p:fade/>
       </p:transition>
@@ -6897,13 +7070,13 @@
   <p:clrMapOvr>
     <a:masterClrMapping/>
   </p:clrMapOvr>
-  <mc:AlternateContent xmlns:mc="http://schemas.openxmlformats.org/markup-compatibility/2006">
-    <mc:Choice xmlns:p14="http://schemas.microsoft.com/office/powerpoint/2010/main" Requires="p14">
+  <mc:AlternateContent xmlns:mc="http://schemas.openxmlformats.org/markup-compatibility/2006" xmlns:p14="http://schemas.microsoft.com/office/powerpoint/2010/main">
+    <mc:Choice Requires="p14">
       <p:transition spd="med" p14:dur="700">
         <p:fade/>
       </p:transition>
     </mc:Choice>
-    <mc:Fallback>
+    <mc:Fallback xmlns="">
       <p:transition spd="med">
         <p:fade/>
       </p:transition>
@@ -7039,13 +7212,13 @@
   <p:clrMapOvr>
     <a:masterClrMapping/>
   </p:clrMapOvr>
-  <mc:AlternateContent xmlns:mc="http://schemas.openxmlformats.org/markup-compatibility/2006">
-    <mc:Choice xmlns:p14="http://schemas.microsoft.com/office/powerpoint/2010/main" Requires="p14">
+  <mc:AlternateContent xmlns:mc="http://schemas.openxmlformats.org/markup-compatibility/2006" xmlns:p14="http://schemas.microsoft.com/office/powerpoint/2010/main">
+    <mc:Choice Requires="p14">
       <p:transition spd="med" p14:dur="700">
         <p:fade/>
       </p:transition>
     </mc:Choice>
-    <mc:Fallback>
+    <mc:Fallback xmlns="">
       <p:transition spd="med">
         <p:fade/>
       </p:transition>
@@ -7134,13 +7307,13 @@
   <p:clrMapOvr>
     <a:masterClrMapping/>
   </p:clrMapOvr>
-  <mc:AlternateContent xmlns:mc="http://schemas.openxmlformats.org/markup-compatibility/2006">
-    <mc:Choice xmlns:p14="http://schemas.microsoft.com/office/powerpoint/2010/main" Requires="p14">
+  <mc:AlternateContent xmlns:mc="http://schemas.openxmlformats.org/markup-compatibility/2006" xmlns:p14="http://schemas.microsoft.com/office/powerpoint/2010/main">
+    <mc:Choice Requires="p14">
       <p:transition spd="med" p14:dur="700">
         <p:fade/>
       </p:transition>
     </mc:Choice>
-    <mc:Fallback>
+    <mc:Fallback xmlns="">
       <p:transition spd="med">
         <p:fade/>
       </p:transition>
@@ -7265,13 +7438,13 @@
   <p:clrMapOvr>
     <a:masterClrMapping/>
   </p:clrMapOvr>
-  <mc:AlternateContent xmlns:mc="http://schemas.openxmlformats.org/markup-compatibility/2006">
-    <mc:Choice xmlns:p14="http://schemas.microsoft.com/office/powerpoint/2010/main" Requires="p14">
+  <mc:AlternateContent xmlns:mc="http://schemas.openxmlformats.org/markup-compatibility/2006" xmlns:p14="http://schemas.microsoft.com/office/powerpoint/2010/main">
+    <mc:Choice Requires="p14">
       <p:transition spd="med" p14:dur="700">
         <p:fade/>
       </p:transition>
     </mc:Choice>
-    <mc:Fallback>
+    <mc:Fallback xmlns="">
       <p:transition spd="med">
         <p:fade/>
       </p:transition>
@@ -7353,10 +7526,10 @@
       </p:sp>
       <p:pic>
         <p:nvPicPr>
-          <p:cNvPr id="4098" name="Picture 2">
-            <a:extLst>
-              <a:ext uri="{FF2B5EF4-FFF2-40B4-BE49-F238E27FC236}">
-                <a16:creationId xmlns:a16="http://schemas.microsoft.com/office/drawing/2014/main" id="{CEF122E4-38BA-D372-E740-638F755AA609}"/>
+          <p:cNvPr id="1026" name="Picture 2">
+            <a:extLst>
+              <a:ext uri="{FF2B5EF4-FFF2-40B4-BE49-F238E27FC236}">
+                <a16:creationId xmlns:a16="http://schemas.microsoft.com/office/drawing/2014/main" id="{C11FCF57-F2E3-5787-3FE4-3EC597B140F3}"/>
               </a:ext>
             </a:extLst>
           </p:cNvPr>
@@ -7408,13 +7581,13 @@
   <p:clrMapOvr>
     <a:masterClrMapping/>
   </p:clrMapOvr>
-  <mc:AlternateContent xmlns:mc="http://schemas.openxmlformats.org/markup-compatibility/2006">
-    <mc:Choice xmlns:p14="http://schemas.microsoft.com/office/powerpoint/2010/main" Requires="p14">
+  <mc:AlternateContent xmlns:mc="http://schemas.openxmlformats.org/markup-compatibility/2006" xmlns:p14="http://schemas.microsoft.com/office/powerpoint/2010/main">
+    <mc:Choice Requires="p14">
       <p:transition spd="med" p14:dur="700">
         <p:fade/>
       </p:transition>
     </mc:Choice>
-    <mc:Fallback>
+    <mc:Fallback xmlns="">
       <p:transition spd="med">
         <p:fade/>
       </p:transition>
@@ -7603,7 +7776,7 @@
           <a:p>
             <a:r>
               <a:rPr lang="de-DE" sz="1800" dirty="0"/>
-              <a:t>Spezialisiert auf Azure Networking &amp; IaC</a:t>
+              <a:t>Spezialisiert auf Azure Networking, IaC &amp; Governance</a:t>
             </a:r>
           </a:p>
           <a:p>
@@ -7631,12 +7804,8 @@
           </a:p>
           <a:p>
             <a:r>
-              <a:rPr lang="de-DE" sz="1800" dirty="0" err="1"/>
-              <a:t>Blogt</a:t>
-            </a:r>
-            <a:r>
               <a:rPr lang="de-DE" sz="1800" dirty="0"/>
-              <a:t> hier: </a:t>
+              <a:t>Bloggt hier: </a:t>
             </a:r>
             <a:r>
               <a:rPr lang="de-DE" sz="1800" b="1" dirty="0" err="1"/>
@@ -7779,13 +7948,13 @@
   <p:clrMapOvr>
     <a:masterClrMapping/>
   </p:clrMapOvr>
-  <mc:AlternateContent xmlns:mc="http://schemas.openxmlformats.org/markup-compatibility/2006">
-    <mc:Choice xmlns:p14="http://schemas.microsoft.com/office/powerpoint/2010/main" Requires="p14">
+  <mc:AlternateContent xmlns:mc="http://schemas.openxmlformats.org/markup-compatibility/2006" xmlns:p14="http://schemas.microsoft.com/office/powerpoint/2010/main">
+    <mc:Choice Requires="p14">
       <p:transition spd="med" p14:dur="700">
         <p:fade/>
       </p:transition>
     </mc:Choice>
-    <mc:Fallback>
+    <mc:Fallback xmlns="">
       <p:transition spd="med">
         <p:fade/>
       </p:transition>
@@ -7920,7 +8089,7 @@
           <a:p>
             <a:r>
               <a:rPr lang="de-DE" dirty="0"/>
-              <a:t>Keine </a:t>
+              <a:t>Keine „</a:t>
             </a:r>
             <a:r>
               <a:rPr lang="de-DE" dirty="0" err="1"/>
@@ -7933,6 +8102,10 @@
             <a:r>
               <a:rPr lang="de-DE" dirty="0" err="1"/>
               <a:t>Optimization</a:t>
+            </a:r>
+            <a:r>
+              <a:rPr lang="de-DE"/>
+              <a:t>“ (YAGNI)</a:t>
             </a:r>
             <a:endParaRPr lang="de-DE" dirty="0"/>
           </a:p>
@@ -7954,13 +8127,13 @@
   <p:clrMapOvr>
     <a:masterClrMapping/>
   </p:clrMapOvr>
-  <mc:AlternateContent xmlns:mc="http://schemas.openxmlformats.org/markup-compatibility/2006">
-    <mc:Choice xmlns:p14="http://schemas.microsoft.com/office/powerpoint/2010/main" Requires="p14">
+  <mc:AlternateContent xmlns:mc="http://schemas.openxmlformats.org/markup-compatibility/2006" xmlns:p14="http://schemas.microsoft.com/office/powerpoint/2010/main">
+    <mc:Choice Requires="p14">
       <p:transition spd="med" p14:dur="700">
         <p:fade/>
       </p:transition>
     </mc:Choice>
-    <mc:Fallback>
+    <mc:Fallback xmlns="">
       <p:transition spd="med">
         <p:fade/>
       </p:transition>
@@ -8121,13 +8294,13 @@
   <p:clrMapOvr>
     <a:masterClrMapping/>
   </p:clrMapOvr>
-  <mc:AlternateContent xmlns:mc="http://schemas.openxmlformats.org/markup-compatibility/2006">
-    <mc:Choice xmlns:p14="http://schemas.microsoft.com/office/powerpoint/2010/main" Requires="p14">
+  <mc:AlternateContent xmlns:mc="http://schemas.openxmlformats.org/markup-compatibility/2006" xmlns:p14="http://schemas.microsoft.com/office/powerpoint/2010/main">
+    <mc:Choice Requires="p14">
       <p:transition spd="med" p14:dur="700">
         <p:fade/>
       </p:transition>
     </mc:Choice>
-    <mc:Fallback>
+    <mc:Fallback xmlns="">
       <p:transition spd="med">
         <p:fade/>
       </p:transition>
@@ -8304,11 +8477,18 @@
             </a:r>
             <a:r>
               <a:rPr lang="en-US" sz="2400" dirty="0"/>
-              <a:t> in Azure Bicep und </a:t>
+              <a:t> Azure Bicep &amp; </a:t>
             </a:r>
             <a:r>
               <a:rPr lang="en-US" sz="2400" dirty="0" err="1"/>
-              <a:t>dessen</a:t>
+              <a:t>Vorteile</a:t>
+            </a:r>
+            <a:endParaRPr lang="en-US" sz="2400" dirty="0"/>
+          </a:p>
+          <a:p>
+            <a:r>
+              <a:rPr lang="en-US" sz="2400" dirty="0" err="1"/>
+              <a:t>Erste</a:t>
             </a:r>
             <a:r>
               <a:rPr lang="en-US" sz="2400" dirty="0"/>
@@ -8316,14 +8496,7 @@
             </a:r>
             <a:r>
               <a:rPr lang="en-US" sz="2400" dirty="0" err="1"/>
-              <a:t>Vorteile</a:t>
-            </a:r>
-            <a:endParaRPr lang="en-US" sz="2400" dirty="0"/>
-          </a:p>
-          <a:p>
-            <a:r>
-              <a:rPr lang="en-US" sz="2400" dirty="0" err="1"/>
-              <a:t>Erste</a:t>
+              <a:t>Schritte</a:t>
             </a:r>
             <a:r>
               <a:rPr lang="en-US" sz="2400" dirty="0"/>
@@ -8331,14 +8504,6 @@
             </a:r>
             <a:r>
               <a:rPr lang="en-US" sz="2400" dirty="0" err="1"/>
-              <a:t>Schritte</a:t>
-            </a:r>
-            <a:r>
-              <a:rPr lang="en-US" sz="2400" dirty="0"/>
-              <a:t> </a:t>
-            </a:r>
-            <a:r>
-              <a:rPr lang="en-US" sz="2400" dirty="0" err="1"/>
               <a:t>mit</a:t>
             </a:r>
             <a:r>
@@ -8351,7 +8516,25 @@
               <a:rPr lang="en-US" sz="2400" dirty="0" err="1"/>
               <a:t>Parametrisierung</a:t>
             </a:r>
+            <a:r>
+              <a:rPr lang="en-US" sz="2400" dirty="0"/>
+              <a:t> &amp; </a:t>
+            </a:r>
+            <a:r>
+              <a:rPr lang="en-US" sz="2400" dirty="0" err="1"/>
+              <a:t>Modularisierung</a:t>
+            </a:r>
             <a:endParaRPr lang="en-US" sz="2400" dirty="0"/>
+          </a:p>
+          <a:p>
+            <a:r>
+              <a:rPr lang="en-US" sz="2400" dirty="0" err="1"/>
+              <a:t>Quellcode-Verwaltung</a:t>
+            </a:r>
+            <a:r>
+              <a:rPr lang="en-US" sz="2400" dirty="0"/>
+              <a:t> &amp; Pipelines</a:t>
+            </a:r>
           </a:p>
           <a:p>
             <a:r>
@@ -8418,13 +8601,13 @@
   <p:clrMapOvr>
     <a:masterClrMapping/>
   </p:clrMapOvr>
-  <mc:AlternateContent xmlns:mc="http://schemas.openxmlformats.org/markup-compatibility/2006">
-    <mc:Choice xmlns:p14="http://schemas.microsoft.com/office/powerpoint/2010/main" Requires="p14">
+  <mc:AlternateContent xmlns:mc="http://schemas.openxmlformats.org/markup-compatibility/2006" xmlns:p14="http://schemas.microsoft.com/office/powerpoint/2010/main">
+    <mc:Choice Requires="p14">
       <p:transition spd="med" p14:dur="700">
         <p:fade/>
       </p:transition>
     </mc:Choice>
-    <mc:Fallback>
+    <mc:Fallback xmlns="">
       <p:transition spd="med">
         <p:fade/>
       </p:transition>
@@ -8510,10 +8693,6 @@
           <a:lstStyle/>
           <a:p>
             <a:r>
-              <a:rPr lang="en-US" dirty="0"/>
-              <a:t>Der </a:t>
-            </a:r>
-            <a:r>
               <a:rPr lang="en-US" dirty="0" err="1"/>
               <a:t>Prozess</a:t>
             </a:r>
@@ -8541,10 +8720,10 @@
               <a:rPr lang="en-US" dirty="0" err="1"/>
               <a:t>Infrastruktur-Ressourcen</a:t>
             </a:r>
-            <a:r>
-              <a:rPr lang="en-US" dirty="0"/>
-              <a:t>, </a:t>
-            </a:r>
+            <a:endParaRPr lang="en-US" dirty="0"/>
+          </a:p>
+          <a:p>
+            <a:pPr lvl="1"/>
             <a:r>
               <a:rPr lang="en-US" dirty="0" err="1"/>
               <a:t>ähnlich</a:t>
@@ -8575,29 +8754,32 @@
             </a:r>
             <a:r>
               <a:rPr lang="en-US" dirty="0"/>
-              <a:t> von Software.</a:t>
-            </a:r>
-          </a:p>
-          <a:p>
+              <a:t> von Software</a:t>
+            </a:r>
+          </a:p>
+          <a:p>
+            <a:r>
+              <a:rPr lang="en-US" dirty="0" err="1"/>
+              <a:t>Mögliche</a:t>
+            </a:r>
+            <a:r>
+              <a:rPr lang="en-US" dirty="0"/>
+              <a:t> </a:t>
+            </a:r>
             <a:r>
               <a:rPr lang="en-US" dirty="0" err="1"/>
               <a:t>Ressourcen</a:t>
             </a:r>
             <a:r>
               <a:rPr lang="en-US" dirty="0"/>
-              <a:t> </a:t>
-            </a:r>
+              <a:t>: </a:t>
+            </a:r>
+          </a:p>
+          <a:p>
+            <a:pPr lvl="1"/>
             <a:r>
               <a:rPr lang="en-US" dirty="0" err="1"/>
-              <a:t>können</a:t>
-            </a:r>
-            <a:r>
-              <a:rPr lang="en-US" dirty="0"/>
-              <a:t> sein: </a:t>
-            </a:r>
-            <a:r>
-              <a:rPr lang="en-US" dirty="0" err="1"/>
-              <a:t>virtuelle</a:t>
+              <a:t>Virtuelle</a:t>
             </a:r>
             <a:r>
               <a:rPr lang="en-US" dirty="0"/>
@@ -8613,7 +8795,7 @@
             </a:r>
             <a:r>
               <a:rPr lang="en-US" dirty="0" err="1"/>
-              <a:t>virtuelle</a:t>
+              <a:t>Virtuelle</a:t>
             </a:r>
             <a:r>
               <a:rPr lang="en-US" dirty="0"/>
@@ -8633,6 +8815,30 @@
             </a:r>
             <a:r>
               <a:rPr lang="en-US" dirty="0"/>
+              <a:t>, </a:t>
+            </a:r>
+            <a:r>
+              <a:rPr lang="en-US" dirty="0" err="1"/>
+              <a:t>Datenbanken</a:t>
+            </a:r>
+            <a:r>
+              <a:rPr lang="en-US" dirty="0"/>
+              <a:t>, </a:t>
+            </a:r>
+            <a:r>
+              <a:rPr lang="en-US" dirty="0" err="1"/>
+              <a:t>Berechtigungen</a:t>
+            </a:r>
+            <a:r>
+              <a:rPr lang="en-US" dirty="0"/>
+              <a:t>, </a:t>
+            </a:r>
+            <a:r>
+              <a:rPr lang="en-US" dirty="0" err="1"/>
+              <a:t>Richtlinien</a:t>
+            </a:r>
+            <a:r>
+              <a:rPr lang="en-US" dirty="0"/>
               <a:t>, etc.</a:t>
             </a:r>
           </a:p>
@@ -8658,6 +8864,16 @@
               <a:t>Bereitstellung</a:t>
             </a:r>
             <a:endParaRPr lang="en-US" dirty="0"/>
+          </a:p>
+          <a:p>
+            <a:r>
+              <a:rPr lang="en-US" dirty="0" err="1"/>
+              <a:t>Unverzichtbar</a:t>
+            </a:r>
+            <a:r>
+              <a:rPr lang="en-US" dirty="0"/>
+              <a:t> für DevOps</a:t>
+            </a:r>
           </a:p>
           <a:p>
             <a:endParaRPr lang="en-US" dirty="0"/>
@@ -8674,13 +8890,13 @@
   <p:clrMapOvr>
     <a:masterClrMapping/>
   </p:clrMapOvr>
-  <mc:AlternateContent xmlns:mc="http://schemas.openxmlformats.org/markup-compatibility/2006">
-    <mc:Choice xmlns:p14="http://schemas.microsoft.com/office/powerpoint/2010/main" Requires="p14">
+  <mc:AlternateContent xmlns:mc="http://schemas.openxmlformats.org/markup-compatibility/2006" xmlns:p14="http://schemas.microsoft.com/office/powerpoint/2010/main">
+    <mc:Choice Requires="p14">
       <p:transition spd="med" p14:dur="700">
         <p:fade/>
       </p:transition>
     </mc:Choice>
-    <mc:Fallback>
+    <mc:Fallback xmlns="">
       <p:transition spd="med">
         <p:fade/>
       </p:transition>
@@ -8855,13 +9071,13 @@
   <p:clrMapOvr>
     <a:masterClrMapping/>
   </p:clrMapOvr>
-  <mc:AlternateContent xmlns:mc="http://schemas.openxmlformats.org/markup-compatibility/2006">
-    <mc:Choice xmlns:p14="http://schemas.microsoft.com/office/powerpoint/2010/main" Requires="p14">
+  <mc:AlternateContent xmlns:mc="http://schemas.openxmlformats.org/markup-compatibility/2006" xmlns:p14="http://schemas.microsoft.com/office/powerpoint/2010/main">
+    <mc:Choice Requires="p14">
       <p:transition spd="med" p14:dur="700">
         <p:fade/>
       </p:transition>
     </mc:Choice>
-    <mc:Fallback>
+    <mc:Fallback xmlns="">
       <p:transition spd="med">
         <p:fade/>
       </p:transition>
@@ -8959,13 +9175,13 @@
   <p:clrMapOvr>
     <a:masterClrMapping/>
   </p:clrMapOvr>
-  <mc:AlternateContent xmlns:mc="http://schemas.openxmlformats.org/markup-compatibility/2006">
-    <mc:Choice xmlns:p14="http://schemas.microsoft.com/office/powerpoint/2010/main" Requires="p14">
+  <mc:AlternateContent xmlns:mc="http://schemas.openxmlformats.org/markup-compatibility/2006" xmlns:p14="http://schemas.microsoft.com/office/powerpoint/2010/main">
+    <mc:Choice Requires="p14">
       <p:transition spd="med" p14:dur="700">
         <p:fade/>
       </p:transition>
     </mc:Choice>
-    <mc:Fallback>
+    <mc:Fallback xmlns="">
       <p:transition spd="med">
         <p:fade/>
       </p:transition>
@@ -9050,23 +9266,7 @@
           <a:p>
             <a:r>
               <a:rPr lang="en-US" dirty="0"/>
-              <a:t>Bicep </a:t>
-            </a:r>
-            <a:r>
-              <a:rPr lang="en-US" dirty="0" err="1"/>
-              <a:t>ist</a:t>
-            </a:r>
-            <a:r>
-              <a:rPr lang="en-US" dirty="0"/>
-              <a:t> </a:t>
-            </a:r>
-            <a:r>
-              <a:rPr lang="en-US" dirty="0" err="1"/>
-              <a:t>eine</a:t>
-            </a:r>
-            <a:r>
-              <a:rPr lang="en-US" dirty="0"/>
-              <a:t> Domain Specific Language (DSL) für die </a:t>
+              <a:t>Domain Specific Language (DSL) für die </a:t>
             </a:r>
             <a:r>
               <a:rPr lang="en-US" i="1" dirty="0" err="1"/>
@@ -9092,6 +9292,12 @@
           </a:p>
           <a:p>
             <a:r>
+              <a:rPr lang="en-US" dirty="0"/>
+              <a:t>Released: August 2020</a:t>
+            </a:r>
+          </a:p>
+          <a:p>
+            <a:r>
               <a:rPr lang="en-US" dirty="0" err="1"/>
               <a:t>Ziel</a:t>
             </a:r>
@@ -9099,9 +9305,6 @@
               <a:rPr lang="en-US" dirty="0"/>
               <a:t>: </a:t>
             </a:r>
-            <a:br>
-              <a:rPr lang="en-US" dirty="0"/>
-            </a:br>
             <a:r>
               <a:rPr lang="en-US" dirty="0" err="1"/>
               <a:t>Vereinfachung</a:t>
@@ -9150,12 +9353,8 @@
           </a:p>
           <a:p>
             <a:r>
-              <a:rPr lang="en-US" dirty="0"/>
-              <a:t>Bicep </a:t>
-            </a:r>
-            <a:r>
               <a:rPr lang="en-US" dirty="0" err="1"/>
-              <a:t>ist</a:t>
+              <a:t>Automatische</a:t>
             </a:r>
             <a:r>
               <a:rPr lang="en-US" dirty="0"/>
@@ -9163,90 +9362,34 @@
             </a:r>
             <a:r>
               <a:rPr lang="en-US" dirty="0" err="1"/>
-              <a:t>nur</a:t>
-            </a:r>
-            <a:r>
-              <a:rPr lang="en-US" dirty="0"/>
-              <a:t> </a:t>
+              <a:t>Abhängigkeiten</a:t>
+            </a:r>
+            <a:r>
+              <a:rPr lang="en-US" dirty="0"/>
+              <a:t> und </a:t>
             </a:r>
             <a:r>
               <a:rPr lang="en-US" dirty="0" err="1"/>
-              <a:t>eine</a:t>
-            </a:r>
-            <a:r>
-              <a:rPr lang="en-US" dirty="0"/>
-              <a:t> </a:t>
-            </a:r>
+              <a:t>Reihenfolgen</a:t>
+            </a:r>
+            <a:endParaRPr lang="en-US" dirty="0"/>
+          </a:p>
+          <a:p>
             <a:r>
               <a:rPr lang="en-US" dirty="0" err="1"/>
-              <a:t>Abstraktion</a:t>
-            </a:r>
-            <a:r>
-              <a:rPr lang="en-US" dirty="0"/>
-              <a:t> </a:t>
+              <a:t>Kostenfrei</a:t>
+            </a:r>
+            <a:r>
+              <a:rPr lang="en-US" dirty="0"/>
+              <a:t>, Open-Source, </a:t>
             </a:r>
             <a:r>
               <a:rPr lang="en-US" dirty="0" err="1"/>
-              <a:t>über</a:t>
-            </a:r>
-            <a:r>
-              <a:rPr lang="en-US" dirty="0"/>
-              <a:t> ARM – </a:t>
-            </a:r>
-            <a:r>
-              <a:rPr lang="en-US" dirty="0" err="1"/>
-              <a:t>alles</a:t>
-            </a:r>
-            <a:r>
-              <a:rPr lang="en-US" dirty="0"/>
-              <a:t> was in ARM </a:t>
-            </a:r>
-            <a:r>
-              <a:rPr lang="en-US" dirty="0" err="1"/>
-              <a:t>geht</a:t>
-            </a:r>
-            <a:r>
-              <a:rPr lang="en-US" dirty="0"/>
-              <a:t>, </a:t>
-            </a:r>
-            <a:r>
-              <a:rPr lang="en-US" dirty="0" err="1"/>
-              <a:t>geht</a:t>
-            </a:r>
-            <a:r>
-              <a:rPr lang="en-US" dirty="0"/>
-              <a:t> </a:t>
-            </a:r>
-            <a:r>
-              <a:rPr lang="en-US" dirty="0" err="1"/>
-              <a:t>auch</a:t>
-            </a:r>
-            <a:r>
-              <a:rPr lang="en-US" dirty="0"/>
-              <a:t> in Bicep, von Tag 1 an! </a:t>
-            </a:r>
-            <a:br>
-              <a:rPr lang="en-US" dirty="0"/>
-            </a:br>
-            <a:r>
-              <a:rPr lang="en-US" dirty="0"/>
-              <a:t>Alle </a:t>
-            </a:r>
-            <a:r>
-              <a:rPr lang="en-US" dirty="0" err="1"/>
-              <a:t>Resourcen</a:t>
-            </a:r>
-            <a:r>
-              <a:rPr lang="en-US" dirty="0"/>
-              <a:t>, API-</a:t>
-            </a:r>
-            <a:r>
-              <a:rPr lang="en-US" dirty="0" err="1"/>
-              <a:t>Versionen</a:t>
-            </a:r>
-            <a:r>
-              <a:rPr lang="en-US" dirty="0"/>
-              <a:t>, Parameter, etc...</a:t>
+              <a:t>Plattformunabhängig</a:t>
+            </a:r>
+            <a:r>
+              <a:rPr lang="en-US" dirty="0"/>
+              <a:t>, Microsoft-supported</a:t>
             </a:r>
           </a:p>
           <a:p>
@@ -9287,7 +9430,7 @@
           <p:nvPr/>
         </p:nvPicPr>
         <p:blipFill>
-          <a:blip r:embed="rId2">
+          <a:blip r:embed="rId3">
             <a:extLst>
               <a:ext uri="{28A0092B-C50C-407E-A947-70E740481C1C}">
                 <a14:useLocalDpi xmlns:a14="http://schemas.microsoft.com/office/drawing/2010/main" val="0"/>
@@ -9329,13 +9472,13 @@
   <p:clrMapOvr>
     <a:masterClrMapping/>
   </p:clrMapOvr>
-  <mc:AlternateContent xmlns:mc="http://schemas.openxmlformats.org/markup-compatibility/2006">
-    <mc:Choice xmlns:p14="http://schemas.microsoft.com/office/powerpoint/2010/main" Requires="p14">
+  <mc:AlternateContent xmlns:mc="http://schemas.openxmlformats.org/markup-compatibility/2006" xmlns:p14="http://schemas.microsoft.com/office/powerpoint/2010/main">
+    <mc:Choice Requires="p14">
       <p:transition spd="med" p14:dur="700">
         <p:fade/>
       </p:transition>
     </mc:Choice>
-    <mc:Fallback>
+    <mc:Fallback xmlns="">
       <p:transition spd="med">
         <p:fade/>
       </p:transition>
@@ -9519,13 +9662,13 @@
   <p:clrMapOvr>
     <a:masterClrMapping/>
   </p:clrMapOvr>
-  <mc:AlternateContent xmlns:mc="http://schemas.openxmlformats.org/markup-compatibility/2006">
-    <mc:Choice xmlns:p14="http://schemas.microsoft.com/office/powerpoint/2010/main" Requires="p14">
+  <mc:AlternateContent xmlns:mc="http://schemas.openxmlformats.org/markup-compatibility/2006" xmlns:p14="http://schemas.microsoft.com/office/powerpoint/2010/main">
+    <mc:Choice Requires="p14">
       <p:transition spd="med" p14:dur="700">
         <p:fade/>
       </p:transition>
     </mc:Choice>
-    <mc:Fallback>
+    <mc:Fallback xmlns="">
       <p:transition spd="med">
         <p:fade/>
       </p:transition>
@@ -10209,13 +10352,13 @@
   <p:clrMapOvr>
     <a:masterClrMapping/>
   </p:clrMapOvr>
-  <mc:AlternateContent xmlns:mc="http://schemas.openxmlformats.org/markup-compatibility/2006">
-    <mc:Choice xmlns:p14="http://schemas.microsoft.com/office/powerpoint/2010/main" Requires="p14">
+  <mc:AlternateContent xmlns:mc="http://schemas.openxmlformats.org/markup-compatibility/2006" xmlns:p14="http://schemas.microsoft.com/office/powerpoint/2010/main">
+    <mc:Choice Requires="p14">
       <p:transition spd="med" p14:dur="700">
         <p:fade/>
       </p:transition>
     </mc:Choice>
-    <mc:Fallback>
+    <mc:Fallback xmlns="">
       <p:transition spd="med">
         <p:fade/>
       </p:transition>
